--- a/presentation.pptx
+++ b/presentation.pptx
@@ -7,11 +7,14 @@
   <p:sldIdLst>
     <p:sldId id="256" r:id="rId2"/>
     <p:sldId id="257" r:id="rId3"/>
-    <p:sldId id="259" r:id="rId4"/>
-    <p:sldId id="260" r:id="rId5"/>
-    <p:sldId id="261" r:id="rId6"/>
-    <p:sldId id="262" r:id="rId7"/>
-    <p:sldId id="263" r:id="rId8"/>
+    <p:sldId id="265" r:id="rId4"/>
+    <p:sldId id="264" r:id="rId5"/>
+    <p:sldId id="259" r:id="rId6"/>
+    <p:sldId id="260" r:id="rId7"/>
+    <p:sldId id="261" r:id="rId8"/>
+    <p:sldId id="262" r:id="rId9"/>
+    <p:sldId id="263" r:id="rId10"/>
+    <p:sldId id="266" r:id="rId11"/>
   </p:sldIdLst>
   <p:sldSz cx="12192000" cy="6858000"/>
   <p:notesSz cx="6858000" cy="9144000"/>
@@ -110,6 +113,11 @@
       </a:defRPr>
     </a:lvl9pPr>
   </p:defaultTextStyle>
+  <p:extLst>
+    <p:ext uri="{EFAFB233-063F-42B5-8137-9DF3F51BA10A}">
+      <p15:sldGuideLst xmlns:p15="http://schemas.microsoft.com/office/powerpoint/2012/main"/>
+    </p:ext>
+  </p:extLst>
 </p:presentation>
 </file>
 
@@ -1454,31 +1462,34 @@
   <cx:chart>
     <cx:title pos="t" align="ctr" overlay="0">
       <cx:tx>
-        <cx:rich>
-          <a:bodyPr vertOverflow="overflow" horzOverflow="overflow" wrap="square" lIns="0" tIns="0" rIns="0" bIns="0"/>
-          <a:lstStyle/>
-          <a:p>
-            <a:pPr algn="ctr" rtl="0">
-              <a:defRPr sz="1400" b="0" i="0">
-                <a:solidFill>
-                  <a:schemeClr val="bg1"/>
-                </a:solidFill>
-                <a:latin typeface="Source Sans Pro" panose="020B0503030403020204" pitchFamily="34" charset="0"/>
-                <a:ea typeface="Source Sans Pro" panose="020B0503030403020204" pitchFamily="34" charset="0"/>
-                <a:cs typeface="Source Sans Pro" panose="020B0503030403020204" pitchFamily="34" charset="0"/>
-              </a:defRPr>
-            </a:pPr>
-            <a:r>
-              <a:rPr lang="en-CA" b="1" dirty="0">
-                <a:solidFill>
-                  <a:schemeClr val="bg1"/>
-                </a:solidFill>
-              </a:rPr>
-              <a:t>Average Products Ordered</a:t>
-            </a:r>
-          </a:p>
-        </cx:rich>
+        <cx:txData>
+          <cx:v>Average Products Ordered</cx:v>
+        </cx:txData>
       </cx:tx>
+      <cx:txPr>
+        <a:bodyPr vertOverflow="overflow" horzOverflow="overflow" wrap="square" lIns="0" tIns="0" rIns="0" bIns="0"/>
+        <a:lstStyle/>
+        <a:p>
+          <a:pPr algn="ctr" rtl="0">
+            <a:defRPr sz="1400" b="0" i="0">
+              <a:solidFill>
+                <a:schemeClr val="bg1"/>
+              </a:solidFill>
+              <a:latin typeface="Source Sans Pro" panose="020B0503030403020204" pitchFamily="34" charset="0"/>
+              <a:ea typeface="Source Sans Pro" panose="020B0503030403020204" pitchFamily="34" charset="0"/>
+              <a:cs typeface="Source Sans Pro" panose="020B0503030403020204" pitchFamily="34" charset="0"/>
+            </a:defRPr>
+          </a:pPr>
+          <a:r>
+            <a:rPr lang="en-CA" b="1" dirty="0">
+              <a:solidFill>
+                <a:schemeClr val="bg1"/>
+              </a:solidFill>
+            </a:rPr>
+            <a:t>Average Products Ordered</a:t>
+          </a:r>
+        </a:p>
+      </cx:txPr>
     </cx:title>
     <cx:plotArea>
       <cx:plotAreaRegion>
@@ -5032,7 +5043,7 @@
           <a:p>
             <a:fld id="{72EA7947-E287-4738-8C82-07CE4F01EF03}" type="datetime2">
               <a:rPr lang="en-US" smtClean="0"/>
-              <a:t>Tuesday, June 13, 2023</a:t>
+              <a:t>Wednesday, June 14, 2023</a:t>
             </a:fld>
             <a:endParaRPr lang="en-US" dirty="0"/>
           </a:p>
@@ -6068,7 +6079,7 @@
           <a:p>
             <a:fld id="{EE2EBD84-71F4-4271-8C46-0D47C0A9B12E}" type="datetime2">
               <a:rPr lang="en-US" smtClean="0"/>
-              <a:t>Tuesday, June 13, 2023</a:t>
+              <a:t>Wednesday, June 14, 2023</a:t>
             </a:fld>
             <a:endParaRPr lang="en-US"/>
           </a:p>
@@ -6279,7 +6290,7 @@
           <a:p>
             <a:fld id="{ABAE0CE1-F450-4107-B2CB-17B18F8A3F4A}" type="datetime2">
               <a:rPr lang="en-US" smtClean="0"/>
-              <a:t>Tuesday, June 13, 2023</a:t>
+              <a:t>Wednesday, June 14, 2023</a:t>
             </a:fld>
             <a:endParaRPr lang="en-US"/>
           </a:p>
@@ -6944,7 +6955,7 @@
           <a:p>
             <a:fld id="{6FE8C025-CD7A-4966-867E-81CF82B15267}" type="datetime2">
               <a:rPr lang="en-US" smtClean="0"/>
-              <a:t>Tuesday, June 13, 2023</a:t>
+              <a:t>Wednesday, June 14, 2023</a:t>
             </a:fld>
             <a:endParaRPr lang="en-US"/>
           </a:p>
@@ -7564,7 +7575,7 @@
           <a:p>
             <a:fld id="{FE809929-0719-4517-94D6-FDF7F99E70F6}" type="datetime2">
               <a:rPr lang="en-US" smtClean="0"/>
-              <a:t>Tuesday, June 13, 2023</a:t>
+              <a:t>Wednesday, June 14, 2023</a:t>
             </a:fld>
             <a:endParaRPr lang="en-US"/>
           </a:p>
@@ -8682,7 +8693,7 @@
           <a:p>
             <a:fld id="{20E95673-5512-4AAA-9AEB-E00C61EC65D5}" type="datetime2">
               <a:rPr lang="en-US" smtClean="0"/>
-              <a:t>Tuesday, June 13, 2023</a:t>
+              <a:t>Wednesday, June 14, 2023</a:t>
             </a:fld>
             <a:endParaRPr lang="en-US"/>
           </a:p>
@@ -9229,7 +9240,7 @@
           <a:p>
             <a:fld id="{C13138FA-2E87-4873-8BBA-13E447C9A99A}" type="datetime2">
               <a:rPr lang="en-US" smtClean="0"/>
-              <a:t>Tuesday, June 13, 2023</a:t>
+              <a:t>Wednesday, June 14, 2023</a:t>
             </a:fld>
             <a:endParaRPr lang="en-US"/>
           </a:p>
@@ -9390,7 +9401,7 @@
           <a:p>
             <a:fld id="{D75BB40A-97BD-4BFB-B639-0BFF95FDE8B7}" type="datetime2">
               <a:rPr lang="en-US" smtClean="0"/>
-              <a:t>Tuesday, June 13, 2023</a:t>
+              <a:t>Wednesday, June 14, 2023</a:t>
             </a:fld>
             <a:endParaRPr lang="en-US"/>
           </a:p>
@@ -10425,7 +10436,7 @@
           <a:p>
             <a:fld id="{9EE9E0E3-ECF6-4CFE-8698-AEFEBCECC3C0}" type="datetime2">
               <a:rPr lang="en-US" smtClean="0"/>
-              <a:t>Tuesday, June 13, 2023</a:t>
+              <a:t>Wednesday, June 14, 2023</a:t>
             </a:fld>
             <a:endParaRPr lang="en-US"/>
           </a:p>
@@ -11071,7 +11082,7 @@
           <a:p>
             <a:fld id="{251462FC-960E-4740-921F-B36862979F21}" type="datetime2">
               <a:rPr lang="en-US" smtClean="0"/>
-              <a:t>Tuesday, June 13, 2023</a:t>
+              <a:t>Wednesday, June 14, 2023</a:t>
             </a:fld>
             <a:endParaRPr lang="en-US"/>
           </a:p>
@@ -11835,7 +11846,7 @@
           <a:p>
             <a:fld id="{E50BC9E2-CB44-4C05-9BB5-496C18A241E0}" type="datetime2">
               <a:rPr lang="en-US" smtClean="0"/>
-              <a:t>Tuesday, June 13, 2023</a:t>
+              <a:t>Wednesday, June 14, 2023</a:t>
             </a:fld>
             <a:endParaRPr lang="en-US"/>
           </a:p>
@@ -12088,7 +12099,7 @@
           <a:p>
             <a:fld id="{246CB39B-5F4C-4A7E-9BE3-AAFD45576D16}" type="datetime2">
               <a:rPr lang="en-US" smtClean="0"/>
-              <a:t>Tuesday, June 13, 2023</a:t>
+              <a:t>Wednesday, June 14, 2023</a:t>
             </a:fld>
             <a:endParaRPr lang="en-US" dirty="0"/>
           </a:p>
@@ -13239,6 +13250,346 @@
 </p:sld>
 </file>
 
+<file path=ppt/slides/slide10.xml><?xml version="1.0" encoding="utf-8"?>
+<p:sld xmlns:a="http://schemas.openxmlformats.org/drawingml/2006/main" xmlns:r="http://schemas.openxmlformats.org/officeDocument/2006/relationships" xmlns:p="http://schemas.openxmlformats.org/presentationml/2006/main">
+  <p:cSld>
+    <p:spTree>
+      <p:nvGrpSpPr>
+        <p:cNvPr id="1" name=""/>
+        <p:cNvGrpSpPr/>
+        <p:nvPr/>
+      </p:nvGrpSpPr>
+      <p:grpSpPr>
+        <a:xfrm>
+          <a:off x="0" y="0"/>
+          <a:ext cx="0" cy="0"/>
+          <a:chOff x="0" y="0"/>
+          <a:chExt cx="0" cy="0"/>
+        </a:xfrm>
+      </p:grpSpPr>
+      <p:sp>
+        <p:nvSpPr>
+          <p:cNvPr id="4" name="Rectangle 3">
+            <a:extLst>
+              <a:ext uri="{FF2B5EF4-FFF2-40B4-BE49-F238E27FC236}">
+                <a16:creationId xmlns:a16="http://schemas.microsoft.com/office/drawing/2014/main" id="{F237FE92-46B3-1705-9213-A0FC34D24293}"/>
+              </a:ext>
+            </a:extLst>
+          </p:cNvPr>
+          <p:cNvSpPr/>
+          <p:nvPr/>
+        </p:nvSpPr>
+        <p:spPr>
+          <a:xfrm>
+            <a:off x="473226" y="1337095"/>
+            <a:ext cx="11090274" cy="4753155"/>
+          </a:xfrm>
+          <a:prstGeom prst="rect">
+            <a:avLst/>
+          </a:prstGeom>
+        </p:spPr>
+        <p:style>
+          <a:lnRef idx="2">
+            <a:schemeClr val="accent6"/>
+          </a:lnRef>
+          <a:fillRef idx="1">
+            <a:schemeClr val="lt1"/>
+          </a:fillRef>
+          <a:effectRef idx="0">
+            <a:schemeClr val="accent6"/>
+          </a:effectRef>
+          <a:fontRef idx="minor">
+            <a:schemeClr val="dk1"/>
+          </a:fontRef>
+        </p:style>
+        <p:txBody>
+          <a:bodyPr rtlCol="0" anchor="ctr"/>
+          <a:lstStyle/>
+          <a:p>
+            <a:pPr algn="ctr"/>
+            <a:endParaRPr lang="en-CA"/>
+          </a:p>
+        </p:txBody>
+      </p:sp>
+      <p:sp>
+        <p:nvSpPr>
+          <p:cNvPr id="2" name="Title 1">
+            <a:extLst>
+              <a:ext uri="{FF2B5EF4-FFF2-40B4-BE49-F238E27FC236}">
+                <a16:creationId xmlns:a16="http://schemas.microsoft.com/office/drawing/2014/main" id="{1DD0E283-0D50-38B8-0FB3-4C10DC2AF5A0}"/>
+              </a:ext>
+            </a:extLst>
+          </p:cNvPr>
+          <p:cNvSpPr>
+            <a:spLocks noGrp="1"/>
+          </p:cNvSpPr>
+          <p:nvPr>
+            <p:ph type="title"/>
+          </p:nvPr>
+        </p:nvSpPr>
+        <p:spPr>
+          <a:xfrm>
+            <a:off x="549538" y="480264"/>
+            <a:ext cx="11091600" cy="1332000"/>
+          </a:xfrm>
+        </p:spPr>
+        <p:txBody>
+          <a:bodyPr/>
+          <a:lstStyle/>
+          <a:p>
+            <a:r>
+              <a:rPr lang="en-CA" dirty="0"/>
+              <a:t>E-Commerce Databases</a:t>
+            </a:r>
+          </a:p>
+        </p:txBody>
+      </p:sp>
+      <p:sp>
+        <p:nvSpPr>
+          <p:cNvPr id="3" name="Content Placeholder 2">
+            <a:extLst>
+              <a:ext uri="{FF2B5EF4-FFF2-40B4-BE49-F238E27FC236}">
+                <a16:creationId xmlns:a16="http://schemas.microsoft.com/office/drawing/2014/main" id="{27E65166-A2E5-AF53-BB8F-826744231AB4}"/>
+              </a:ext>
+            </a:extLst>
+          </p:cNvPr>
+          <p:cNvSpPr>
+            <a:spLocks noGrp="1"/>
+          </p:cNvSpPr>
+          <p:nvPr>
+            <p:ph idx="1"/>
+          </p:nvPr>
+        </p:nvSpPr>
+        <p:spPr>
+          <a:xfrm>
+            <a:off x="549538" y="1544129"/>
+            <a:ext cx="10889088" cy="4684144"/>
+          </a:xfrm>
+        </p:spPr>
+        <p:txBody>
+          <a:bodyPr>
+            <a:normAutofit/>
+          </a:bodyPr>
+          <a:lstStyle/>
+          <a:p>
+            <a:r>
+              <a:rPr lang="en-CA" sz="3200" dirty="0">
+                <a:solidFill>
+                  <a:schemeClr val="bg1"/>
+                </a:solidFill>
+              </a:rPr>
+              <a:t>QA Process: </a:t>
+            </a:r>
+            <a:endParaRPr lang="en-CA" sz="2000" dirty="0">
+              <a:solidFill>
+                <a:schemeClr val="bg1"/>
+              </a:solidFill>
+            </a:endParaRPr>
+          </a:p>
+          <a:p>
+            <a:pPr lvl="2"/>
+            <a:r>
+              <a:rPr lang="en-CA" sz="2000" dirty="0">
+                <a:solidFill>
+                  <a:schemeClr val="bg1"/>
+                </a:solidFill>
+              </a:rPr>
+              <a:t>As mentioned earlier, my main QA process was keeping track of all the changes I made in each table. I was continuously going back to check on my progress. </a:t>
+            </a:r>
+          </a:p>
+          <a:p>
+            <a:pPr lvl="2"/>
+            <a:endParaRPr lang="en-CA" sz="2000" dirty="0">
+              <a:solidFill>
+                <a:schemeClr val="bg1"/>
+              </a:solidFill>
+            </a:endParaRPr>
+          </a:p>
+          <a:p>
+            <a:pPr marL="914400" lvl="2" indent="0">
+              <a:buNone/>
+            </a:pPr>
+            <a:endParaRPr lang="en-US" sz="2000" dirty="0">
+              <a:solidFill>
+                <a:schemeClr val="bg1"/>
+              </a:solidFill>
+            </a:endParaRPr>
+          </a:p>
+        </p:txBody>
+      </p:sp>
+      <p:sp>
+        <p:nvSpPr>
+          <p:cNvPr id="9" name="Rectangle 8">
+            <a:extLst>
+              <a:ext uri="{FF2B5EF4-FFF2-40B4-BE49-F238E27FC236}">
+                <a16:creationId xmlns:a16="http://schemas.microsoft.com/office/drawing/2014/main" id="{DCB5A110-F335-461D-5F23-443D1E17A999}"/>
+              </a:ext>
+            </a:extLst>
+          </p:cNvPr>
+          <p:cNvSpPr/>
+          <p:nvPr/>
+        </p:nvSpPr>
+        <p:spPr>
+          <a:xfrm>
+            <a:off x="736849" y="2973541"/>
+            <a:ext cx="3852404" cy="604589"/>
+          </a:xfrm>
+          <a:prstGeom prst="rect">
+            <a:avLst/>
+          </a:prstGeom>
+          <a:ln>
+            <a:noFill/>
+          </a:ln>
+        </p:spPr>
+        <p:style>
+          <a:lnRef idx="2">
+            <a:schemeClr val="accent6"/>
+          </a:lnRef>
+          <a:fillRef idx="1">
+            <a:schemeClr val="lt1"/>
+          </a:fillRef>
+          <a:effectRef idx="0">
+            <a:schemeClr val="accent6"/>
+          </a:effectRef>
+          <a:fontRef idx="minor">
+            <a:schemeClr val="dk1"/>
+          </a:fontRef>
+        </p:style>
+        <p:txBody>
+          <a:bodyPr rtlCol="0" anchor="ctr"/>
+          <a:lstStyle/>
+          <a:p>
+            <a:r>
+              <a:rPr lang="en-CA" sz="2400" dirty="0"/>
+              <a:t>BEFORE – Analytics Table</a:t>
+            </a:r>
+            <a:endParaRPr lang="en-CA" sz="2800" dirty="0"/>
+          </a:p>
+        </p:txBody>
+      </p:sp>
+      <p:pic>
+        <p:nvPicPr>
+          <p:cNvPr id="6" name="Picture 5">
+            <a:extLst>
+              <a:ext uri="{FF2B5EF4-FFF2-40B4-BE49-F238E27FC236}">
+                <a16:creationId xmlns:a16="http://schemas.microsoft.com/office/drawing/2014/main" id="{37850C09-73BC-330F-AF43-6E31695F537F}"/>
+              </a:ext>
+            </a:extLst>
+          </p:cNvPr>
+          <p:cNvPicPr>
+            <a:picLocks noChangeAspect="1"/>
+          </p:cNvPicPr>
+          <p:nvPr/>
+        </p:nvPicPr>
+        <p:blipFill>
+          <a:blip r:embed="rId2"/>
+          <a:stretch>
+            <a:fillRect/>
+          </a:stretch>
+        </p:blipFill>
+        <p:spPr>
+          <a:xfrm>
+            <a:off x="753374" y="3489382"/>
+            <a:ext cx="10590362" cy="585062"/>
+          </a:xfrm>
+          <a:prstGeom prst="rect">
+            <a:avLst/>
+          </a:prstGeom>
+        </p:spPr>
+      </p:pic>
+      <p:sp>
+        <p:nvSpPr>
+          <p:cNvPr id="10" name="Rectangle 9">
+            <a:extLst>
+              <a:ext uri="{FF2B5EF4-FFF2-40B4-BE49-F238E27FC236}">
+                <a16:creationId xmlns:a16="http://schemas.microsoft.com/office/drawing/2014/main" id="{235AECB8-0C96-0944-1805-A0D8AC4BFB51}"/>
+              </a:ext>
+            </a:extLst>
+          </p:cNvPr>
+          <p:cNvSpPr/>
+          <p:nvPr/>
+        </p:nvSpPr>
+        <p:spPr>
+          <a:xfrm>
+            <a:off x="753374" y="4257001"/>
+            <a:ext cx="3689230" cy="604589"/>
+          </a:xfrm>
+          <a:prstGeom prst="rect">
+            <a:avLst/>
+          </a:prstGeom>
+          <a:ln>
+            <a:noFill/>
+          </a:ln>
+        </p:spPr>
+        <p:style>
+          <a:lnRef idx="2">
+            <a:schemeClr val="accent6"/>
+          </a:lnRef>
+          <a:fillRef idx="1">
+            <a:schemeClr val="lt1"/>
+          </a:fillRef>
+          <a:effectRef idx="0">
+            <a:schemeClr val="accent6"/>
+          </a:effectRef>
+          <a:fontRef idx="minor">
+            <a:schemeClr val="dk1"/>
+          </a:fontRef>
+        </p:style>
+        <p:txBody>
+          <a:bodyPr rtlCol="0" anchor="ctr"/>
+          <a:lstStyle/>
+          <a:p>
+            <a:r>
+              <a:rPr lang="en-CA" sz="2400" dirty="0"/>
+              <a:t>AFTER – Analytics Table</a:t>
+            </a:r>
+            <a:endParaRPr lang="en-CA" sz="2800" dirty="0"/>
+          </a:p>
+        </p:txBody>
+      </p:sp>
+      <p:pic>
+        <p:nvPicPr>
+          <p:cNvPr id="8" name="Picture 7">
+            <a:extLst>
+              <a:ext uri="{FF2B5EF4-FFF2-40B4-BE49-F238E27FC236}">
+                <a16:creationId xmlns:a16="http://schemas.microsoft.com/office/drawing/2014/main" id="{47F9335A-F9B4-4C2E-1E53-DCBFCFBC660E}"/>
+              </a:ext>
+            </a:extLst>
+          </p:cNvPr>
+          <p:cNvPicPr>
+            <a:picLocks noChangeAspect="1"/>
+          </p:cNvPicPr>
+          <p:nvPr/>
+        </p:nvPicPr>
+        <p:blipFill>
+          <a:blip r:embed="rId3"/>
+          <a:stretch>
+            <a:fillRect/>
+          </a:stretch>
+        </p:blipFill>
+        <p:spPr>
+          <a:xfrm>
+            <a:off x="723545" y="4779638"/>
+            <a:ext cx="10606887" cy="562053"/>
+          </a:xfrm>
+          <a:prstGeom prst="rect">
+            <a:avLst/>
+          </a:prstGeom>
+        </p:spPr>
+      </p:pic>
+    </p:spTree>
+    <p:extLst>
+      <p:ext uri="{BB962C8B-B14F-4D97-AF65-F5344CB8AC3E}">
+        <p14:creationId xmlns:p14="http://schemas.microsoft.com/office/powerpoint/2010/main" val="4003442801"/>
+      </p:ext>
+    </p:extLst>
+  </p:cSld>
+  <p:clrMapOvr>
+    <a:masterClrMapping/>
+  </p:clrMapOvr>
+</p:sld>
+</file>
+
 <file path=ppt/slides/slide2.xml><?xml version="1.0" encoding="utf-8"?>
 <p:sld xmlns:a="http://schemas.openxmlformats.org/drawingml/2006/main" xmlns:r="http://schemas.openxmlformats.org/officeDocument/2006/relationships" xmlns:p="http://schemas.openxmlformats.org/presentationml/2006/main">
   <p:cSld>
@@ -13367,7 +13718,7 @@
                   <a:schemeClr val="bg1"/>
                 </a:solidFill>
               </a:rPr>
-              <a:t>Project/Goals: </a:t>
+              <a:t>Project Flow: </a:t>
             </a:r>
           </a:p>
           <a:p>
@@ -13378,8 +13729,504 @@
                   <a:schemeClr val="bg1"/>
                 </a:solidFill>
               </a:rPr>
-              <a:t>Answer the following questions: </a:t>
+              <a:t>I reviewed the original data to see if there were any relationships that were evident at first glance. I noticed there was a lot of NULL data, that needed to be managed. </a:t>
             </a:r>
+          </a:p>
+          <a:p>
+            <a:pPr lvl="1"/>
+            <a:r>
+              <a:rPr lang="en-CA" sz="2000" dirty="0">
+                <a:solidFill>
+                  <a:schemeClr val="bg1"/>
+                </a:solidFill>
+              </a:rPr>
+              <a:t>I reviewed the required questions to see how I could start understanding the data provided.</a:t>
+            </a:r>
+          </a:p>
+          <a:p>
+            <a:pPr lvl="1"/>
+            <a:r>
+              <a:rPr lang="en-CA" sz="2000" dirty="0">
+                <a:solidFill>
+                  <a:schemeClr val="bg1"/>
+                </a:solidFill>
+              </a:rPr>
+              <a:t>I started to clean my data of NULL values by creating queries in each table to filter NULL values in each column. When I completed a column, I would continue to run the query to ensure the number of NULL values were going down and the data still made sense. </a:t>
+            </a:r>
+          </a:p>
+          <a:p>
+            <a:pPr lvl="1"/>
+            <a:r>
+              <a:rPr lang="en-CA" sz="2000" dirty="0">
+                <a:solidFill>
+                  <a:schemeClr val="bg1"/>
+                </a:solidFill>
+              </a:rPr>
+              <a:t>I then looked possible duplicate information or column which were entirely NULL. I would review and possibly delete the columns.</a:t>
+            </a:r>
+          </a:p>
+          <a:p>
+            <a:pPr lvl="1"/>
+            <a:r>
+              <a:rPr lang="en-CA" sz="2000" dirty="0">
+                <a:solidFill>
+                  <a:schemeClr val="bg1"/>
+                </a:solidFill>
+              </a:rPr>
+              <a:t>I would start comparing columns with like titles to find relationships and possible KEYs. </a:t>
+            </a:r>
+          </a:p>
+        </p:txBody>
+      </p:sp>
+    </p:spTree>
+    <p:extLst>
+      <p:ext uri="{BB962C8B-B14F-4D97-AF65-F5344CB8AC3E}">
+        <p14:creationId xmlns:p14="http://schemas.microsoft.com/office/powerpoint/2010/main" val="3045164616"/>
+      </p:ext>
+    </p:extLst>
+  </p:cSld>
+  <p:clrMapOvr>
+    <a:masterClrMapping/>
+  </p:clrMapOvr>
+</p:sld>
+</file>
+
+<file path=ppt/slides/slide3.xml><?xml version="1.0" encoding="utf-8"?>
+<p:sld xmlns:a="http://schemas.openxmlformats.org/drawingml/2006/main" xmlns:r="http://schemas.openxmlformats.org/officeDocument/2006/relationships" xmlns:p="http://schemas.openxmlformats.org/presentationml/2006/main">
+  <p:cSld>
+    <p:spTree>
+      <p:nvGrpSpPr>
+        <p:cNvPr id="1" name=""/>
+        <p:cNvGrpSpPr/>
+        <p:nvPr/>
+      </p:nvGrpSpPr>
+      <p:grpSpPr>
+        <a:xfrm>
+          <a:off x="0" y="0"/>
+          <a:ext cx="0" cy="0"/>
+          <a:chOff x="0" y="0"/>
+          <a:chExt cx="0" cy="0"/>
+        </a:xfrm>
+      </p:grpSpPr>
+      <p:sp>
+        <p:nvSpPr>
+          <p:cNvPr id="4" name="Rectangle 3">
+            <a:extLst>
+              <a:ext uri="{FF2B5EF4-FFF2-40B4-BE49-F238E27FC236}">
+                <a16:creationId xmlns:a16="http://schemas.microsoft.com/office/drawing/2014/main" id="{F237FE92-46B3-1705-9213-A0FC34D24293}"/>
+              </a:ext>
+            </a:extLst>
+          </p:cNvPr>
+          <p:cNvSpPr/>
+          <p:nvPr/>
+        </p:nvSpPr>
+        <p:spPr>
+          <a:xfrm>
+            <a:off x="473226" y="1337095"/>
+            <a:ext cx="11090274" cy="4753155"/>
+          </a:xfrm>
+          <a:prstGeom prst="rect">
+            <a:avLst/>
+          </a:prstGeom>
+        </p:spPr>
+        <p:style>
+          <a:lnRef idx="2">
+            <a:schemeClr val="accent6"/>
+          </a:lnRef>
+          <a:fillRef idx="1">
+            <a:schemeClr val="lt1"/>
+          </a:fillRef>
+          <a:effectRef idx="0">
+            <a:schemeClr val="accent6"/>
+          </a:effectRef>
+          <a:fontRef idx="minor">
+            <a:schemeClr val="dk1"/>
+          </a:fontRef>
+        </p:style>
+        <p:txBody>
+          <a:bodyPr rtlCol="0" anchor="ctr"/>
+          <a:lstStyle/>
+          <a:p>
+            <a:pPr algn="ctr"/>
+            <a:endParaRPr lang="en-CA"/>
+          </a:p>
+        </p:txBody>
+      </p:sp>
+      <p:sp>
+        <p:nvSpPr>
+          <p:cNvPr id="2" name="Title 1">
+            <a:extLst>
+              <a:ext uri="{FF2B5EF4-FFF2-40B4-BE49-F238E27FC236}">
+                <a16:creationId xmlns:a16="http://schemas.microsoft.com/office/drawing/2014/main" id="{1DD0E283-0D50-38B8-0FB3-4C10DC2AF5A0}"/>
+              </a:ext>
+            </a:extLst>
+          </p:cNvPr>
+          <p:cNvSpPr>
+            <a:spLocks noGrp="1"/>
+          </p:cNvSpPr>
+          <p:nvPr>
+            <p:ph type="title"/>
+          </p:nvPr>
+        </p:nvSpPr>
+        <p:spPr>
+          <a:xfrm>
+            <a:off x="549538" y="480264"/>
+            <a:ext cx="11091600" cy="1332000"/>
+          </a:xfrm>
+        </p:spPr>
+        <p:txBody>
+          <a:bodyPr/>
+          <a:lstStyle/>
+          <a:p>
+            <a:r>
+              <a:rPr lang="en-CA" dirty="0"/>
+              <a:t>E-Commerce Databases</a:t>
+            </a:r>
+          </a:p>
+        </p:txBody>
+      </p:sp>
+      <p:sp>
+        <p:nvSpPr>
+          <p:cNvPr id="3" name="Content Placeholder 2">
+            <a:extLst>
+              <a:ext uri="{FF2B5EF4-FFF2-40B4-BE49-F238E27FC236}">
+                <a16:creationId xmlns:a16="http://schemas.microsoft.com/office/drawing/2014/main" id="{27E65166-A2E5-AF53-BB8F-826744231AB4}"/>
+              </a:ext>
+            </a:extLst>
+          </p:cNvPr>
+          <p:cNvSpPr>
+            <a:spLocks noGrp="1"/>
+          </p:cNvSpPr>
+          <p:nvPr>
+            <p:ph idx="1"/>
+          </p:nvPr>
+        </p:nvSpPr>
+        <p:spPr>
+          <a:xfrm>
+            <a:off x="549538" y="1544129"/>
+            <a:ext cx="10889088" cy="4684144"/>
+          </a:xfrm>
+        </p:spPr>
+        <p:txBody>
+          <a:bodyPr>
+            <a:normAutofit/>
+          </a:bodyPr>
+          <a:lstStyle/>
+          <a:p>
+            <a:r>
+              <a:rPr lang="en-CA" sz="3200" dirty="0">
+                <a:solidFill>
+                  <a:schemeClr val="bg1"/>
+                </a:solidFill>
+              </a:rPr>
+              <a:t>Project Flow: </a:t>
+            </a:r>
+          </a:p>
+          <a:p>
+            <a:pPr lvl="1"/>
+            <a:r>
+              <a:rPr lang="en-CA" sz="2000" dirty="0">
+                <a:solidFill>
+                  <a:schemeClr val="bg1"/>
+                </a:solidFill>
+              </a:rPr>
+              <a:t> As I was removing NULL values, I would check if columns had the correct data types. </a:t>
+            </a:r>
+          </a:p>
+          <a:p>
+            <a:pPr lvl="1"/>
+            <a:r>
+              <a:rPr lang="en-CA" sz="2000" dirty="0">
+                <a:solidFill>
+                  <a:schemeClr val="bg1"/>
+                </a:solidFill>
+              </a:rPr>
+              <a:t>For the unit price and revenues columns, I had to change data types, remove NULLs and they /1000000. This provided the correct dollar amounts. </a:t>
+            </a:r>
+          </a:p>
+          <a:p>
+            <a:pPr lvl="1"/>
+            <a:r>
+              <a:rPr lang="en-CA" sz="2000" dirty="0">
+                <a:solidFill>
+                  <a:schemeClr val="bg1"/>
+                </a:solidFill>
+              </a:rPr>
+              <a:t>There was also several steps to ensure </a:t>
+            </a:r>
+            <a:r>
+              <a:rPr lang="en-CA" sz="2000" dirty="0" err="1">
+                <a:solidFill>
+                  <a:schemeClr val="bg1"/>
+                </a:solidFill>
+              </a:rPr>
+              <a:t>timeonsite</a:t>
+            </a:r>
+            <a:r>
+              <a:rPr lang="en-CA" sz="2000" dirty="0">
+                <a:solidFill>
+                  <a:schemeClr val="bg1"/>
+                </a:solidFill>
+              </a:rPr>
+              <a:t>, time, and </a:t>
+            </a:r>
+            <a:r>
+              <a:rPr lang="en-CA" sz="2000" dirty="0" err="1">
+                <a:solidFill>
+                  <a:schemeClr val="bg1"/>
+                </a:solidFill>
+              </a:rPr>
+              <a:t>vistiorstarttime</a:t>
+            </a:r>
+            <a:r>
+              <a:rPr lang="en-CA" sz="2000" dirty="0">
+                <a:solidFill>
+                  <a:schemeClr val="bg1"/>
+                </a:solidFill>
+              </a:rPr>
+              <a:t>  were formatted correctly. </a:t>
+            </a:r>
+          </a:p>
+          <a:p>
+            <a:pPr lvl="1"/>
+            <a:r>
+              <a:rPr lang="en-CA" sz="2000" dirty="0">
+                <a:solidFill>
+                  <a:schemeClr val="bg1"/>
+                </a:solidFill>
+              </a:rPr>
+              <a:t>Once I cleaned all the data, I believed help me get the results I needed. I continued to clean the remaining data. So, I could find data queries. </a:t>
+            </a:r>
+          </a:p>
+          <a:p>
+            <a:pPr lvl="1"/>
+            <a:r>
+              <a:rPr lang="en-CA" sz="2000" dirty="0">
+                <a:solidFill>
+                  <a:schemeClr val="bg1"/>
+                </a:solidFill>
+              </a:rPr>
+              <a:t>I would like to thank my fellow students who have helped me understand and complete this project. </a:t>
+            </a:r>
+          </a:p>
+          <a:p>
+            <a:pPr lvl="1"/>
+            <a:endParaRPr lang="en-CA" sz="2000" dirty="0">
+              <a:solidFill>
+                <a:schemeClr val="bg1"/>
+              </a:solidFill>
+            </a:endParaRPr>
+          </a:p>
+        </p:txBody>
+      </p:sp>
+      <p:sp>
+        <p:nvSpPr>
+          <p:cNvPr id="5" name="Rectangle 4">
+            <a:extLst>
+              <a:ext uri="{FF2B5EF4-FFF2-40B4-BE49-F238E27FC236}">
+                <a16:creationId xmlns:a16="http://schemas.microsoft.com/office/drawing/2014/main" id="{AC784453-DB4D-3068-95D8-EB2977298075}"/>
+              </a:ext>
+            </a:extLst>
+          </p:cNvPr>
+          <p:cNvSpPr/>
+          <p:nvPr/>
+        </p:nvSpPr>
+        <p:spPr>
+          <a:xfrm>
+            <a:off x="9385540" y="1424076"/>
+            <a:ext cx="2053086" cy="569343"/>
+          </a:xfrm>
+          <a:prstGeom prst="rect">
+            <a:avLst/>
+          </a:prstGeom>
+        </p:spPr>
+        <p:style>
+          <a:lnRef idx="2">
+            <a:schemeClr val="dk1">
+              <a:shade val="15000"/>
+            </a:schemeClr>
+          </a:lnRef>
+          <a:fillRef idx="1">
+            <a:schemeClr val="dk1"/>
+          </a:fillRef>
+          <a:effectRef idx="0">
+            <a:schemeClr val="dk1"/>
+          </a:effectRef>
+          <a:fontRef idx="minor">
+            <a:schemeClr val="lt1"/>
+          </a:fontRef>
+        </p:style>
+        <p:txBody>
+          <a:bodyPr rtlCol="0" anchor="ctr"/>
+          <a:lstStyle/>
+          <a:p>
+            <a:pPr algn="ctr"/>
+            <a:r>
+              <a:rPr lang="en-CA" sz="2800" dirty="0"/>
+              <a:t>..continued </a:t>
+            </a:r>
+          </a:p>
+        </p:txBody>
+      </p:sp>
+    </p:spTree>
+    <p:extLst>
+      <p:ext uri="{BB962C8B-B14F-4D97-AF65-F5344CB8AC3E}">
+        <p14:creationId xmlns:p14="http://schemas.microsoft.com/office/powerpoint/2010/main" val="460313517"/>
+      </p:ext>
+    </p:extLst>
+  </p:cSld>
+  <p:clrMapOvr>
+    <a:masterClrMapping/>
+  </p:clrMapOvr>
+</p:sld>
+</file>
+
+<file path=ppt/slides/slide4.xml><?xml version="1.0" encoding="utf-8"?>
+<p:sld xmlns:a="http://schemas.openxmlformats.org/drawingml/2006/main" xmlns:r="http://schemas.openxmlformats.org/officeDocument/2006/relationships" xmlns:p="http://schemas.openxmlformats.org/presentationml/2006/main">
+  <p:cSld>
+    <p:spTree>
+      <p:nvGrpSpPr>
+        <p:cNvPr id="1" name=""/>
+        <p:cNvGrpSpPr/>
+        <p:nvPr/>
+      </p:nvGrpSpPr>
+      <p:grpSpPr>
+        <a:xfrm>
+          <a:off x="0" y="0"/>
+          <a:ext cx="0" cy="0"/>
+          <a:chOff x="0" y="0"/>
+          <a:chExt cx="0" cy="0"/>
+        </a:xfrm>
+      </p:grpSpPr>
+      <p:sp>
+        <p:nvSpPr>
+          <p:cNvPr id="4" name="Rectangle 3">
+            <a:extLst>
+              <a:ext uri="{FF2B5EF4-FFF2-40B4-BE49-F238E27FC236}">
+                <a16:creationId xmlns:a16="http://schemas.microsoft.com/office/drawing/2014/main" id="{F237FE92-46B3-1705-9213-A0FC34D24293}"/>
+              </a:ext>
+            </a:extLst>
+          </p:cNvPr>
+          <p:cNvSpPr/>
+          <p:nvPr/>
+        </p:nvSpPr>
+        <p:spPr>
+          <a:xfrm>
+            <a:off x="473226" y="1337095"/>
+            <a:ext cx="11090274" cy="4753155"/>
+          </a:xfrm>
+          <a:prstGeom prst="rect">
+            <a:avLst/>
+          </a:prstGeom>
+        </p:spPr>
+        <p:style>
+          <a:lnRef idx="2">
+            <a:schemeClr val="accent6"/>
+          </a:lnRef>
+          <a:fillRef idx="1">
+            <a:schemeClr val="lt1"/>
+          </a:fillRef>
+          <a:effectRef idx="0">
+            <a:schemeClr val="accent6"/>
+          </a:effectRef>
+          <a:fontRef idx="minor">
+            <a:schemeClr val="dk1"/>
+          </a:fontRef>
+        </p:style>
+        <p:txBody>
+          <a:bodyPr rtlCol="0" anchor="ctr"/>
+          <a:lstStyle/>
+          <a:p>
+            <a:pPr algn="ctr"/>
+            <a:endParaRPr lang="en-CA"/>
+          </a:p>
+        </p:txBody>
+      </p:sp>
+      <p:sp>
+        <p:nvSpPr>
+          <p:cNvPr id="2" name="Title 1">
+            <a:extLst>
+              <a:ext uri="{FF2B5EF4-FFF2-40B4-BE49-F238E27FC236}">
+                <a16:creationId xmlns:a16="http://schemas.microsoft.com/office/drawing/2014/main" id="{1DD0E283-0D50-38B8-0FB3-4C10DC2AF5A0}"/>
+              </a:ext>
+            </a:extLst>
+          </p:cNvPr>
+          <p:cNvSpPr>
+            <a:spLocks noGrp="1"/>
+          </p:cNvSpPr>
+          <p:nvPr>
+            <p:ph type="title"/>
+          </p:nvPr>
+        </p:nvSpPr>
+        <p:spPr>
+          <a:xfrm>
+            <a:off x="549538" y="480264"/>
+            <a:ext cx="11091600" cy="1332000"/>
+          </a:xfrm>
+        </p:spPr>
+        <p:txBody>
+          <a:bodyPr/>
+          <a:lstStyle/>
+          <a:p>
+            <a:r>
+              <a:rPr lang="en-CA" dirty="0"/>
+              <a:t>E-Commerce Databases</a:t>
+            </a:r>
+          </a:p>
+        </p:txBody>
+      </p:sp>
+      <p:sp>
+        <p:nvSpPr>
+          <p:cNvPr id="3" name="Content Placeholder 2">
+            <a:extLst>
+              <a:ext uri="{FF2B5EF4-FFF2-40B4-BE49-F238E27FC236}">
+                <a16:creationId xmlns:a16="http://schemas.microsoft.com/office/drawing/2014/main" id="{27E65166-A2E5-AF53-BB8F-826744231AB4}"/>
+              </a:ext>
+            </a:extLst>
+          </p:cNvPr>
+          <p:cNvSpPr>
+            <a:spLocks noGrp="1"/>
+          </p:cNvSpPr>
+          <p:nvPr>
+            <p:ph idx="1"/>
+          </p:nvPr>
+        </p:nvSpPr>
+        <p:spPr>
+          <a:xfrm>
+            <a:off x="549538" y="1544129"/>
+            <a:ext cx="10889088" cy="4684144"/>
+          </a:xfrm>
+        </p:spPr>
+        <p:txBody>
+          <a:bodyPr>
+            <a:normAutofit/>
+          </a:bodyPr>
+          <a:lstStyle/>
+          <a:p>
+            <a:r>
+              <a:rPr lang="en-CA" sz="3200" dirty="0">
+                <a:solidFill>
+                  <a:schemeClr val="bg1"/>
+                </a:solidFill>
+              </a:rPr>
+              <a:t>Project Discoveries</a:t>
+            </a:r>
+            <a:r>
+              <a:rPr lang="en-CA" sz="2000" dirty="0">
+                <a:solidFill>
+                  <a:schemeClr val="bg1"/>
+                </a:solidFill>
+              </a:rPr>
+              <a:t>: </a:t>
+            </a:r>
+          </a:p>
+          <a:p>
+            <a:pPr lvl="2"/>
+            <a:endParaRPr lang="en-US" sz="2000" dirty="0">
+              <a:solidFill>
+                <a:schemeClr val="bg1"/>
+              </a:solidFill>
+            </a:endParaRPr>
           </a:p>
           <a:p>
             <a:pPr lvl="2"/>
@@ -13446,7 +14293,7 @@
     </p:spTree>
     <p:extLst>
       <p:ext uri="{BB962C8B-B14F-4D97-AF65-F5344CB8AC3E}">
-        <p14:creationId xmlns:p14="http://schemas.microsoft.com/office/powerpoint/2010/main" val="3045164616"/>
+        <p14:creationId xmlns:p14="http://schemas.microsoft.com/office/powerpoint/2010/main" val="999185597"/>
       </p:ext>
     </p:extLst>
   </p:cSld>
@@ -13456,7 +14303,7 @@
 </p:sld>
 </file>
 
-<file path=ppt/slides/slide3.xml><?xml version="1.0" encoding="utf-8"?>
+<file path=ppt/slides/slide5.xml><?xml version="1.0" encoding="utf-8"?>
 <p:sld xmlns:a="http://schemas.openxmlformats.org/drawingml/2006/main" xmlns:r="http://schemas.openxmlformats.org/officeDocument/2006/relationships" xmlns:p="http://schemas.openxmlformats.org/presentationml/2006/main">
   <p:cSld>
     <p:spTree>
@@ -13659,7 +14506,7 @@
 </p:sld>
 </file>
 
-<file path=ppt/slides/slide4.xml><?xml version="1.0" encoding="utf-8"?>
+<file path=ppt/slides/slide6.xml><?xml version="1.0" encoding="utf-8"?>
 <p:sld xmlns:a="http://schemas.openxmlformats.org/drawingml/2006/main" xmlns:r="http://schemas.openxmlformats.org/officeDocument/2006/relationships" xmlns:p="http://schemas.openxmlformats.org/presentationml/2006/main">
   <p:cSld>
     <p:spTree>
@@ -13720,8 +14567,8 @@
           </a:p>
         </p:txBody>
       </p:sp>
-      <mc:AlternateContent xmlns:mc="http://schemas.openxmlformats.org/markup-compatibility/2006">
-        <mc:Choice xmlns:cx2="http://schemas.microsoft.com/office/drawing/2015/10/21/chartex" Requires="cx2">
+      <mc:AlternateContent xmlns:mc="http://schemas.openxmlformats.org/markup-compatibility/2006" xmlns:cx2="http://schemas.microsoft.com/office/drawing/2015/10/21/chartex">
+        <mc:Choice Requires="cx2">
           <p:graphicFrame>
             <p:nvGraphicFramePr>
               <p:cNvPr id="5" name="Chart 4">
@@ -13751,7 +14598,7 @@
             </a:graphic>
           </p:graphicFrame>
         </mc:Choice>
-        <mc:Fallback>
+        <mc:Fallback xmlns="">
           <p:pic>
             <p:nvPicPr>
               <p:cNvPr id="5" name="Chart 4">
@@ -13889,7 +14736,7 @@
 </p:sld>
 </file>
 
-<file path=ppt/slides/slide5.xml><?xml version="1.0" encoding="utf-8"?>
+<file path=ppt/slides/slide7.xml><?xml version="1.0" encoding="utf-8"?>
 <p:sld xmlns:a="http://schemas.openxmlformats.org/drawingml/2006/main" xmlns:r="http://schemas.openxmlformats.org/officeDocument/2006/relationships" xmlns:p="http://schemas.openxmlformats.org/presentationml/2006/main">
   <p:cSld>
     <p:spTree>
@@ -20222,7 +21069,7 @@
 </p:sld>
 </file>
 
-<file path=ppt/slides/slide6.xml><?xml version="1.0" encoding="utf-8"?>
+<file path=ppt/slides/slide8.xml><?xml version="1.0" encoding="utf-8"?>
 <p:sld xmlns:a="http://schemas.openxmlformats.org/drawingml/2006/main" xmlns:r="http://schemas.openxmlformats.org/officeDocument/2006/relationships" xmlns:p="http://schemas.openxmlformats.org/presentationml/2006/main">
   <p:cSld>
     <p:spTree>
@@ -20413,7 +21260,7 @@
 </p:sld>
 </file>
 
-<file path=ppt/slides/slide7.xml><?xml version="1.0" encoding="utf-8"?>
+<file path=ppt/slides/slide9.xml><?xml version="1.0" encoding="utf-8"?>
 <p:sld xmlns:a="http://schemas.openxmlformats.org/drawingml/2006/main" xmlns:r="http://schemas.openxmlformats.org/officeDocument/2006/relationships" xmlns:p="http://schemas.openxmlformats.org/presentationml/2006/main">
   <p:cSld>
     <p:spTree>

--- a/presentation.pptx
+++ b/presentation.pptx
@@ -7,8 +7,8 @@
   <p:sldIdLst>
     <p:sldId id="256" r:id="rId2"/>
     <p:sldId id="257" r:id="rId3"/>
-    <p:sldId id="265" r:id="rId4"/>
-    <p:sldId id="264" r:id="rId5"/>
+    <p:sldId id="267" r:id="rId4"/>
+    <p:sldId id="268" r:id="rId5"/>
     <p:sldId id="259" r:id="rId6"/>
     <p:sldId id="260" r:id="rId7"/>
     <p:sldId id="261" r:id="rId8"/>
@@ -13708,73 +13708,134 @@
         </p:spPr>
         <p:txBody>
           <a:bodyPr>
-            <a:normAutofit/>
+            <a:noAutofit/>
           </a:bodyPr>
           <a:lstStyle/>
           <a:p>
+            <a:pPr marL="0" indent="0">
+              <a:lnSpc>
+                <a:spcPct val="107000"/>
+              </a:lnSpc>
+              <a:spcAft>
+                <a:spcPts val="800"/>
+              </a:spcAft>
+              <a:buNone/>
+            </a:pPr>
             <a:r>
-              <a:rPr lang="en-CA" sz="3200" dirty="0">
+              <a:rPr lang="en-US" sz="3200" b="1" kern="100" dirty="0">
                 <a:solidFill>
                   <a:schemeClr val="bg1"/>
                 </a:solidFill>
+                <a:effectLst/>
+                <a:latin typeface="Calibri" panose="020F0502020204030204" pitchFamily="34" charset="0"/>
+                <a:ea typeface="Calibri" panose="020F0502020204030204" pitchFamily="34" charset="0"/>
+                <a:cs typeface="Times New Roman" panose="02020603050405020304" pitchFamily="18" charset="0"/>
               </a:rPr>
-              <a:t>Project Flow: </a:t>
+              <a:t>1. Review and understand data:</a:t>
             </a:r>
+            <a:endParaRPr lang="en-CA" sz="3200" b="1" kern="100" dirty="0">
+              <a:solidFill>
+                <a:schemeClr val="bg1"/>
+              </a:solidFill>
+              <a:effectLst/>
+              <a:latin typeface="Calibri" panose="020F0502020204030204" pitchFamily="34" charset="0"/>
+              <a:ea typeface="Calibri" panose="020F0502020204030204" pitchFamily="34" charset="0"/>
+              <a:cs typeface="Times New Roman" panose="02020603050405020304" pitchFamily="18" charset="0"/>
+            </a:endParaRPr>
           </a:p>
           <a:p>
-            <a:pPr lvl="1"/>
+            <a:pPr lvl="1" indent="0">
+              <a:lnSpc>
+                <a:spcPct val="107000"/>
+              </a:lnSpc>
+              <a:buNone/>
+            </a:pPr>
             <a:r>
-              <a:rPr lang="en-CA" sz="2000" dirty="0">
+              <a:rPr lang="en-US" sz="3200" kern="100" dirty="0">
                 <a:solidFill>
                   <a:schemeClr val="bg1"/>
                 </a:solidFill>
+                <a:effectLst/>
+                <a:latin typeface="Calibri" panose="020F0502020204030204" pitchFamily="34" charset="0"/>
+                <a:ea typeface="Calibri" panose="020F0502020204030204" pitchFamily="34" charset="0"/>
+                <a:cs typeface="Times New Roman" panose="02020603050405020304" pitchFamily="18" charset="0"/>
               </a:rPr>
-              <a:t>I reviewed the original data to see if there were any relationships that were evident at first glance. I noticed there was a lot of NULL data, that needed to be managed. </a:t>
+              <a:t>- I started comparing column information from the various tables </a:t>
             </a:r>
+            <a:endParaRPr lang="en-CA" sz="3200" kern="100" dirty="0">
+              <a:solidFill>
+                <a:schemeClr val="bg1"/>
+              </a:solidFill>
+              <a:effectLst/>
+              <a:latin typeface="Calibri" panose="020F0502020204030204" pitchFamily="34" charset="0"/>
+              <a:ea typeface="Calibri" panose="020F0502020204030204" pitchFamily="34" charset="0"/>
+              <a:cs typeface="Times New Roman" panose="02020603050405020304" pitchFamily="18" charset="0"/>
+            </a:endParaRPr>
           </a:p>
           <a:p>
-            <a:pPr lvl="1"/>
+            <a:pPr lvl="1" indent="0">
+              <a:lnSpc>
+                <a:spcPct val="107000"/>
+              </a:lnSpc>
+              <a:buNone/>
+            </a:pPr>
             <a:r>
-              <a:rPr lang="en-CA" sz="2000" dirty="0">
+              <a:rPr lang="en-US" sz="3200" kern="100" dirty="0">
                 <a:solidFill>
                   <a:schemeClr val="bg1"/>
                 </a:solidFill>
+                <a:effectLst/>
+                <a:latin typeface="Calibri" panose="020F0502020204030204" pitchFamily="34" charset="0"/>
+                <a:ea typeface="Calibri" panose="020F0502020204030204" pitchFamily="34" charset="0"/>
+                <a:cs typeface="Times New Roman" panose="02020603050405020304" pitchFamily="18" charset="0"/>
               </a:rPr>
-              <a:t>I reviewed the required questions to see how I could start understanding the data provided.</a:t>
+              <a:t>- I reviewed data types, to see if they make sense. </a:t>
             </a:r>
+            <a:endParaRPr lang="en-CA" sz="3200" kern="100" dirty="0">
+              <a:solidFill>
+                <a:schemeClr val="bg1"/>
+              </a:solidFill>
+              <a:effectLst/>
+              <a:latin typeface="Calibri" panose="020F0502020204030204" pitchFamily="34" charset="0"/>
+              <a:ea typeface="Calibri" panose="020F0502020204030204" pitchFamily="34" charset="0"/>
+              <a:cs typeface="Times New Roman" panose="02020603050405020304" pitchFamily="18" charset="0"/>
+            </a:endParaRPr>
           </a:p>
           <a:p>
-            <a:pPr lvl="1"/>
+            <a:pPr lvl="1" indent="0">
+              <a:lnSpc>
+                <a:spcPct val="107000"/>
+              </a:lnSpc>
+              <a:buNone/>
+            </a:pPr>
             <a:r>
-              <a:rPr lang="en-CA" sz="2000" dirty="0">
+              <a:rPr lang="en-US" sz="3200" kern="100" dirty="0">
                 <a:solidFill>
                   <a:schemeClr val="bg1"/>
                 </a:solidFill>
+                <a:effectLst/>
+                <a:latin typeface="Calibri" panose="020F0502020204030204" pitchFamily="34" charset="0"/>
+                <a:ea typeface="Calibri" panose="020F0502020204030204" pitchFamily="34" charset="0"/>
+                <a:cs typeface="Times New Roman" panose="02020603050405020304" pitchFamily="18" charset="0"/>
               </a:rPr>
-              <a:t>I started to clean my data of NULL values by creating queries in each table to filter NULL values in each column. When I completed a column, I would continue to run the query to ensure the number of NULL values were going down and the data still made sense. </a:t>
+              <a:t>- I reviewed project questions to ensure I focused on cleaning important information first. </a:t>
             </a:r>
+            <a:endParaRPr lang="en-CA" sz="3200" kern="100" dirty="0">
+              <a:solidFill>
+                <a:schemeClr val="bg1"/>
+              </a:solidFill>
+              <a:effectLst/>
+              <a:latin typeface="Calibri" panose="020F0502020204030204" pitchFamily="34" charset="0"/>
+              <a:ea typeface="Calibri" panose="020F0502020204030204" pitchFamily="34" charset="0"/>
+              <a:cs typeface="Times New Roman" panose="02020603050405020304" pitchFamily="18" charset="0"/>
+            </a:endParaRPr>
           </a:p>
           <a:p>
-            <a:pPr lvl="1"/>
-            <a:r>
-              <a:rPr lang="en-CA" sz="2000" dirty="0">
-                <a:solidFill>
-                  <a:schemeClr val="bg1"/>
-                </a:solidFill>
-              </a:rPr>
-              <a:t>I then looked possible duplicate information or column which were entirely NULL. I would review and possibly delete the columns.</a:t>
-            </a:r>
-          </a:p>
-          <a:p>
-            <a:pPr lvl="1"/>
-            <a:r>
-              <a:rPr lang="en-CA" sz="2000" dirty="0">
-                <a:solidFill>
-                  <a:schemeClr val="bg1"/>
-                </a:solidFill>
-              </a:rPr>
-              <a:t>I would start comparing columns with like titles to find relationships and possible KEYs. </a:t>
-            </a:r>
+            <a:endParaRPr lang="en-CA" sz="2400" dirty="0">
+              <a:solidFill>
+                <a:schemeClr val="bg1"/>
+              </a:solidFill>
+            </a:endParaRPr>
           </a:p>
         </p:txBody>
       </p:sp>
@@ -13909,109 +13970,183 @@
         </p:spPr>
         <p:txBody>
           <a:bodyPr>
-            <a:normAutofit/>
+            <a:noAutofit/>
           </a:bodyPr>
           <a:lstStyle/>
           <a:p>
+            <a:pPr marL="0" indent="0">
+              <a:lnSpc>
+                <a:spcPct val="107000"/>
+              </a:lnSpc>
+              <a:spcAft>
+                <a:spcPts val="800"/>
+              </a:spcAft>
+              <a:buNone/>
+            </a:pPr>
             <a:r>
-              <a:rPr lang="en-CA" sz="3200" dirty="0">
+              <a:rPr lang="en-US" sz="3200" b="1" kern="100" dirty="0">
                 <a:solidFill>
                   <a:schemeClr val="bg1"/>
                 </a:solidFill>
+                <a:effectLst/>
+                <a:latin typeface="Calibri" panose="020F0502020204030204" pitchFamily="34" charset="0"/>
+                <a:ea typeface="Calibri" panose="020F0502020204030204" pitchFamily="34" charset="0"/>
+                <a:cs typeface="Times New Roman" panose="02020603050405020304" pitchFamily="18" charset="0"/>
               </a:rPr>
-              <a:t>Project Flow: </a:t>
+              <a:t>2. Clean and transform Data </a:t>
             </a:r>
+            <a:endParaRPr lang="en-CA" sz="3200" b="1" kern="100" dirty="0">
+              <a:solidFill>
+                <a:schemeClr val="bg1"/>
+              </a:solidFill>
+              <a:effectLst/>
+              <a:latin typeface="Calibri" panose="020F0502020204030204" pitchFamily="34" charset="0"/>
+              <a:ea typeface="Calibri" panose="020F0502020204030204" pitchFamily="34" charset="0"/>
+              <a:cs typeface="Times New Roman" panose="02020603050405020304" pitchFamily="18" charset="0"/>
+            </a:endParaRPr>
           </a:p>
           <a:p>
-            <a:pPr lvl="1"/>
+            <a:pPr lvl="1" indent="0">
+              <a:lnSpc>
+                <a:spcPct val="107000"/>
+              </a:lnSpc>
+              <a:buNone/>
+            </a:pPr>
             <a:r>
-              <a:rPr lang="en-CA" sz="2000" dirty="0">
+              <a:rPr lang="en-US" sz="2800" kern="100" dirty="0">
                 <a:solidFill>
                   <a:schemeClr val="bg1"/>
                 </a:solidFill>
+                <a:effectLst/>
+                <a:latin typeface="Calibri" panose="020F0502020204030204" pitchFamily="34" charset="0"/>
+                <a:ea typeface="Calibri" panose="020F0502020204030204" pitchFamily="34" charset="0"/>
+                <a:cs typeface="Times New Roman" panose="02020603050405020304" pitchFamily="18" charset="0"/>
               </a:rPr>
-              <a:t> As I was removing NULL values, I would check if columns had the correct data types. </a:t>
+              <a:t>- I looked for NULL values and decided if they should be removed or converted. </a:t>
             </a:r>
+            <a:endParaRPr lang="en-CA" sz="2800" kern="100" dirty="0">
+              <a:solidFill>
+                <a:schemeClr val="bg1"/>
+              </a:solidFill>
+              <a:effectLst/>
+              <a:latin typeface="Calibri" panose="020F0502020204030204" pitchFamily="34" charset="0"/>
+              <a:ea typeface="Calibri" panose="020F0502020204030204" pitchFamily="34" charset="0"/>
+              <a:cs typeface="Times New Roman" panose="02020603050405020304" pitchFamily="18" charset="0"/>
+            </a:endParaRPr>
           </a:p>
           <a:p>
-            <a:pPr lvl="1"/>
+            <a:pPr lvl="1" indent="0">
+              <a:lnSpc>
+                <a:spcPct val="107000"/>
+              </a:lnSpc>
+              <a:buNone/>
+            </a:pPr>
             <a:r>
-              <a:rPr lang="en-CA" sz="2000" dirty="0">
+              <a:rPr lang="en-US" sz="2800" kern="100" dirty="0">
                 <a:solidFill>
                   <a:schemeClr val="bg1"/>
                 </a:solidFill>
+                <a:effectLst/>
+                <a:latin typeface="Calibri" panose="020F0502020204030204" pitchFamily="34" charset="0"/>
+                <a:ea typeface="Calibri" panose="020F0502020204030204" pitchFamily="34" charset="0"/>
+                <a:cs typeface="Times New Roman" panose="02020603050405020304" pitchFamily="18" charset="0"/>
               </a:rPr>
-              <a:t>For the unit price and revenues columns, I had to change data types, remove NULLs and they /1000000. This provided the correct dollar amounts. </a:t>
+              <a:t>- I found duplicate values and decided if they should be removed. </a:t>
             </a:r>
+            <a:endParaRPr lang="en-CA" sz="2800" kern="100" dirty="0">
+              <a:solidFill>
+                <a:schemeClr val="bg1"/>
+              </a:solidFill>
+              <a:effectLst/>
+              <a:latin typeface="Calibri" panose="020F0502020204030204" pitchFamily="34" charset="0"/>
+              <a:ea typeface="Calibri" panose="020F0502020204030204" pitchFamily="34" charset="0"/>
+              <a:cs typeface="Times New Roman" panose="02020603050405020304" pitchFamily="18" charset="0"/>
+            </a:endParaRPr>
           </a:p>
           <a:p>
-            <a:pPr lvl="1"/>
+            <a:pPr lvl="1" indent="0">
+              <a:lnSpc>
+                <a:spcPct val="107000"/>
+              </a:lnSpc>
+              <a:buNone/>
+            </a:pPr>
             <a:r>
-              <a:rPr lang="en-CA" sz="2000" dirty="0">
+              <a:rPr lang="en-US" sz="2800" kern="100" dirty="0">
                 <a:solidFill>
                   <a:schemeClr val="bg1"/>
                 </a:solidFill>
+                <a:effectLst/>
+                <a:latin typeface="Calibri" panose="020F0502020204030204" pitchFamily="34" charset="0"/>
+                <a:ea typeface="Calibri" panose="020F0502020204030204" pitchFamily="34" charset="0"/>
+                <a:cs typeface="Times New Roman" panose="02020603050405020304" pitchFamily="18" charset="0"/>
               </a:rPr>
-              <a:t>There was also several steps to ensure </a:t>
+              <a:t>- I checked if columns were formatted with correct data types. </a:t>
             </a:r>
+            <a:endParaRPr lang="en-CA" sz="2800" kern="100" dirty="0">
+              <a:solidFill>
+                <a:schemeClr val="bg1"/>
+              </a:solidFill>
+              <a:effectLst/>
+              <a:latin typeface="Calibri" panose="020F0502020204030204" pitchFamily="34" charset="0"/>
+              <a:ea typeface="Calibri" panose="020F0502020204030204" pitchFamily="34" charset="0"/>
+              <a:cs typeface="Times New Roman" panose="02020603050405020304" pitchFamily="18" charset="0"/>
+            </a:endParaRPr>
+          </a:p>
+          <a:p>
+            <a:pPr lvl="1" indent="0">
+              <a:lnSpc>
+                <a:spcPct val="107000"/>
+              </a:lnSpc>
+              <a:buNone/>
+            </a:pPr>
             <a:r>
-              <a:rPr lang="en-CA" sz="2000" dirty="0" err="1">
+              <a:rPr lang="en-US" sz="2800" kern="100" dirty="0">
                 <a:solidFill>
                   <a:schemeClr val="bg1"/>
                 </a:solidFill>
+                <a:effectLst/>
+                <a:latin typeface="Calibri" panose="020F0502020204030204" pitchFamily="34" charset="0"/>
+                <a:ea typeface="Calibri" panose="020F0502020204030204" pitchFamily="34" charset="0"/>
+                <a:cs typeface="Times New Roman" panose="02020603050405020304" pitchFamily="18" charset="0"/>
               </a:rPr>
-              <a:t>timeonsite</a:t>
+              <a:t>- I formatted data within columns, </a:t>
             </a:r>
             <a:r>
-              <a:rPr lang="en-CA" sz="2000" dirty="0">
+              <a:rPr lang="en-US" sz="2800" kern="100" dirty="0" err="1">
                 <a:solidFill>
                   <a:schemeClr val="bg1"/>
                 </a:solidFill>
+                <a:effectLst/>
+                <a:latin typeface="Calibri" panose="020F0502020204030204" pitchFamily="34" charset="0"/>
+                <a:ea typeface="Calibri" panose="020F0502020204030204" pitchFamily="34" charset="0"/>
+                <a:cs typeface="Times New Roman" panose="02020603050405020304" pitchFamily="18" charset="0"/>
               </a:rPr>
-              <a:t>, time, and </a:t>
+              <a:t>ie</a:t>
             </a:r>
             <a:r>
-              <a:rPr lang="en-CA" sz="2000" dirty="0" err="1">
+              <a:rPr lang="en-US" sz="2800" kern="100" dirty="0">
                 <a:solidFill>
                   <a:schemeClr val="bg1"/>
                 </a:solidFill>
+                <a:effectLst/>
+                <a:latin typeface="Calibri" panose="020F0502020204030204" pitchFamily="34" charset="0"/>
+                <a:ea typeface="Calibri" panose="020F0502020204030204" pitchFamily="34" charset="0"/>
+                <a:cs typeface="Times New Roman" panose="02020603050405020304" pitchFamily="18" charset="0"/>
               </a:rPr>
-              <a:t>vistiorstarttime</a:t>
+              <a:t>. prices had two decimal points, cities and countries has proper capitalization, etc. </a:t>
             </a:r>
-            <a:r>
-              <a:rPr lang="en-CA" sz="2000" dirty="0">
-                <a:solidFill>
-                  <a:schemeClr val="bg1"/>
-                </a:solidFill>
-              </a:rPr>
-              <a:t>  were formatted correctly. </a:t>
-            </a:r>
+            <a:endParaRPr lang="en-CA" sz="2800" kern="100" dirty="0">
+              <a:solidFill>
+                <a:schemeClr val="bg1"/>
+              </a:solidFill>
+              <a:effectLst/>
+              <a:latin typeface="Calibri" panose="020F0502020204030204" pitchFamily="34" charset="0"/>
+              <a:ea typeface="Calibri" panose="020F0502020204030204" pitchFamily="34" charset="0"/>
+              <a:cs typeface="Times New Roman" panose="02020603050405020304" pitchFamily="18" charset="0"/>
+            </a:endParaRPr>
           </a:p>
           <a:p>
-            <a:pPr lvl="1"/>
-            <a:r>
-              <a:rPr lang="en-CA" sz="2000" dirty="0">
-                <a:solidFill>
-                  <a:schemeClr val="bg1"/>
-                </a:solidFill>
-              </a:rPr>
-              <a:t>Once I cleaned all the data, I believed help me get the results I needed. I continued to clean the remaining data. So, I could find data queries. </a:t>
-            </a:r>
-          </a:p>
-          <a:p>
-            <a:pPr lvl="1"/>
-            <a:r>
-              <a:rPr lang="en-CA" sz="2000" dirty="0">
-                <a:solidFill>
-                  <a:schemeClr val="bg1"/>
-                </a:solidFill>
-              </a:rPr>
-              <a:t>I would like to thank my fellow students who have helped me understand and complete this project. </a:t>
-            </a:r>
-          </a:p>
-          <a:p>
-            <a:pPr lvl="1"/>
-            <a:endParaRPr lang="en-CA" sz="2000" dirty="0">
+            <a:endParaRPr lang="en-CA" sz="2400" dirty="0">
               <a:solidFill>
                 <a:schemeClr val="bg1"/>
               </a:solidFill>
@@ -14019,59 +14154,10 @@
           </a:p>
         </p:txBody>
       </p:sp>
-      <p:sp>
-        <p:nvSpPr>
-          <p:cNvPr id="5" name="Rectangle 4">
-            <a:extLst>
-              <a:ext uri="{FF2B5EF4-FFF2-40B4-BE49-F238E27FC236}">
-                <a16:creationId xmlns:a16="http://schemas.microsoft.com/office/drawing/2014/main" id="{AC784453-DB4D-3068-95D8-EB2977298075}"/>
-              </a:ext>
-            </a:extLst>
-          </p:cNvPr>
-          <p:cNvSpPr/>
-          <p:nvPr/>
-        </p:nvSpPr>
-        <p:spPr>
-          <a:xfrm>
-            <a:off x="9385540" y="1424076"/>
-            <a:ext cx="2053086" cy="569343"/>
-          </a:xfrm>
-          <a:prstGeom prst="rect">
-            <a:avLst/>
-          </a:prstGeom>
-        </p:spPr>
-        <p:style>
-          <a:lnRef idx="2">
-            <a:schemeClr val="dk1">
-              <a:shade val="15000"/>
-            </a:schemeClr>
-          </a:lnRef>
-          <a:fillRef idx="1">
-            <a:schemeClr val="dk1"/>
-          </a:fillRef>
-          <a:effectRef idx="0">
-            <a:schemeClr val="dk1"/>
-          </a:effectRef>
-          <a:fontRef idx="minor">
-            <a:schemeClr val="lt1"/>
-          </a:fontRef>
-        </p:style>
-        <p:txBody>
-          <a:bodyPr rtlCol="0" anchor="ctr"/>
-          <a:lstStyle/>
-          <a:p>
-            <a:pPr algn="ctr"/>
-            <a:r>
-              <a:rPr lang="en-CA" sz="2800" dirty="0"/>
-              <a:t>..continued </a:t>
-            </a:r>
-          </a:p>
-        </p:txBody>
-      </p:sp>
     </p:spTree>
     <p:extLst>
       <p:ext uri="{BB962C8B-B14F-4D97-AF65-F5344CB8AC3E}">
-        <p14:creationId xmlns:p14="http://schemas.microsoft.com/office/powerpoint/2010/main" val="460313517"/>
+        <p14:creationId xmlns:p14="http://schemas.microsoft.com/office/powerpoint/2010/main" val="598618834"/>
       </p:ext>
     </p:extLst>
   </p:cSld>
@@ -14199,101 +14285,141 @@
         </p:spPr>
         <p:txBody>
           <a:bodyPr>
-            <a:normAutofit/>
+            <a:noAutofit/>
           </a:bodyPr>
           <a:lstStyle/>
           <a:p>
+            <a:pPr marL="0" indent="0">
+              <a:lnSpc>
+                <a:spcPct val="107000"/>
+              </a:lnSpc>
+              <a:spcAft>
+                <a:spcPts val="800"/>
+              </a:spcAft>
+              <a:buNone/>
+            </a:pPr>
             <a:r>
-              <a:rPr lang="en-CA" sz="3200" dirty="0">
+              <a:rPr lang="en-US" sz="3200" b="1" kern="100" dirty="0">
                 <a:solidFill>
                   <a:schemeClr val="bg1"/>
                 </a:solidFill>
+                <a:effectLst/>
+                <a:latin typeface="Calibri" panose="020F0502020204030204" pitchFamily="34" charset="0"/>
+                <a:ea typeface="Calibri" panose="020F0502020204030204" pitchFamily="34" charset="0"/>
+                <a:cs typeface="Times New Roman" panose="02020603050405020304" pitchFamily="18" charset="0"/>
               </a:rPr>
-              <a:t>Project Discoveries</a:t>
+              <a:t>3. Develop insights </a:t>
             </a:r>
+            <a:endParaRPr lang="en-CA" sz="3200" b="1" kern="100" dirty="0">
+              <a:solidFill>
+                <a:schemeClr val="bg1"/>
+              </a:solidFill>
+              <a:effectLst/>
+              <a:latin typeface="Calibri" panose="020F0502020204030204" pitchFamily="34" charset="0"/>
+              <a:ea typeface="Calibri" panose="020F0502020204030204" pitchFamily="34" charset="0"/>
+              <a:cs typeface="Times New Roman" panose="02020603050405020304" pitchFamily="18" charset="0"/>
+            </a:endParaRPr>
+          </a:p>
+          <a:p>
+            <a:pPr lvl="1" indent="0">
+              <a:lnSpc>
+                <a:spcPct val="107000"/>
+              </a:lnSpc>
+              <a:buNone/>
+            </a:pPr>
             <a:r>
-              <a:rPr lang="en-CA" sz="2000" dirty="0">
+              <a:rPr lang="en-US" sz="3200" kern="100" dirty="0">
                 <a:solidFill>
                   <a:schemeClr val="bg1"/>
                 </a:solidFill>
+                <a:effectLst/>
+                <a:latin typeface="Calibri" panose="020F0502020204030204" pitchFamily="34" charset="0"/>
+                <a:ea typeface="Calibri" panose="020F0502020204030204" pitchFamily="34" charset="0"/>
+                <a:cs typeface="Times New Roman" panose="02020603050405020304" pitchFamily="18" charset="0"/>
               </a:rPr>
-              <a:t>: </a:t>
+              <a:t>- Because there was so much information, I focused on the questions required. </a:t>
             </a:r>
+            <a:endParaRPr lang="en-CA" sz="3200" kern="100" dirty="0">
+              <a:solidFill>
+                <a:schemeClr val="bg1"/>
+              </a:solidFill>
+              <a:effectLst/>
+              <a:latin typeface="Calibri" panose="020F0502020204030204" pitchFamily="34" charset="0"/>
+              <a:ea typeface="Calibri" panose="020F0502020204030204" pitchFamily="34" charset="0"/>
+              <a:cs typeface="Times New Roman" panose="02020603050405020304" pitchFamily="18" charset="0"/>
+            </a:endParaRPr>
           </a:p>
           <a:p>
-            <a:pPr lvl="2"/>
-            <a:endParaRPr lang="en-US" sz="2000" dirty="0">
+            <a:pPr lvl="1" indent="0">
+              <a:lnSpc>
+                <a:spcPct val="107000"/>
+              </a:lnSpc>
+              <a:buNone/>
+            </a:pPr>
+            <a:r>
+              <a:rPr lang="en-US" sz="3200" kern="100" dirty="0">
+                <a:solidFill>
+                  <a:schemeClr val="bg1"/>
+                </a:solidFill>
+                <a:effectLst/>
+                <a:latin typeface="Calibri" panose="020F0502020204030204" pitchFamily="34" charset="0"/>
+                <a:ea typeface="Calibri" panose="020F0502020204030204" pitchFamily="34" charset="0"/>
+                <a:cs typeface="Times New Roman" panose="02020603050405020304" pitchFamily="18" charset="0"/>
+              </a:rPr>
+              <a:t>- From there I grouped relevant information together into a smaller table and cleaned the data. </a:t>
+            </a:r>
+            <a:endParaRPr lang="en-CA" sz="3200" kern="100" dirty="0">
+              <a:solidFill>
+                <a:schemeClr val="bg1"/>
+              </a:solidFill>
+              <a:effectLst/>
+              <a:latin typeface="Calibri" panose="020F0502020204030204" pitchFamily="34" charset="0"/>
+              <a:ea typeface="Calibri" panose="020F0502020204030204" pitchFamily="34" charset="0"/>
+              <a:cs typeface="Times New Roman" panose="02020603050405020304" pitchFamily="18" charset="0"/>
+            </a:endParaRPr>
+          </a:p>
+          <a:p>
+            <a:pPr lvl="1" indent="0">
+              <a:lnSpc>
+                <a:spcPct val="107000"/>
+              </a:lnSpc>
+              <a:buNone/>
+            </a:pPr>
+            <a:r>
+              <a:rPr lang="en-US" sz="3200" kern="100" dirty="0">
+                <a:solidFill>
+                  <a:schemeClr val="bg1"/>
+                </a:solidFill>
+                <a:effectLst/>
+                <a:latin typeface="Calibri" panose="020F0502020204030204" pitchFamily="34" charset="0"/>
+                <a:ea typeface="Calibri" panose="020F0502020204030204" pitchFamily="34" charset="0"/>
+                <a:cs typeface="Times New Roman" panose="02020603050405020304" pitchFamily="18" charset="0"/>
+              </a:rPr>
+              <a:t>- Once I cleaned the data, I started to see more relevant information when I continued to clean additional data</a:t>
+            </a:r>
+            <a:endParaRPr lang="en-CA" sz="3200" kern="100" dirty="0">
+              <a:solidFill>
+                <a:schemeClr val="bg1"/>
+              </a:solidFill>
+              <a:effectLst/>
+              <a:latin typeface="Calibri" panose="020F0502020204030204" pitchFamily="34" charset="0"/>
+              <a:ea typeface="Calibri" panose="020F0502020204030204" pitchFamily="34" charset="0"/>
+              <a:cs typeface="Times New Roman" panose="02020603050405020304" pitchFamily="18" charset="0"/>
+            </a:endParaRPr>
+          </a:p>
+          <a:p>
+            <a:endParaRPr lang="en-CA" sz="2400" dirty="0">
               <a:solidFill>
                 <a:schemeClr val="bg1"/>
               </a:solidFill>
             </a:endParaRPr>
-          </a:p>
-          <a:p>
-            <a:pPr lvl="2"/>
-            <a:r>
-              <a:rPr lang="en-US" sz="2000" dirty="0">
-                <a:solidFill>
-                  <a:schemeClr val="bg1"/>
-                </a:solidFill>
-              </a:rPr>
-              <a:t>Which cities and countries have the highest level of transaction revenues on the site?</a:t>
-            </a:r>
-            <a:endParaRPr lang="en-CA" sz="2000" dirty="0">
-              <a:solidFill>
-                <a:schemeClr val="bg1"/>
-              </a:solidFill>
-            </a:endParaRPr>
-          </a:p>
-          <a:p>
-            <a:pPr lvl="2"/>
-            <a:r>
-              <a:rPr lang="en-US" sz="2000" dirty="0">
-                <a:solidFill>
-                  <a:schemeClr val="bg1"/>
-                </a:solidFill>
-              </a:rPr>
-              <a:t>What is the average number of products ordered from visitors in each city and country?</a:t>
-            </a:r>
-          </a:p>
-          <a:p>
-            <a:pPr lvl="2"/>
-            <a:r>
-              <a:rPr lang="en-US" sz="2000" dirty="0">
-                <a:solidFill>
-                  <a:schemeClr val="bg1"/>
-                </a:solidFill>
-              </a:rPr>
-              <a:t>Is there any pattern in the types (product categories) of products ordered from visitors in each city and country?</a:t>
-            </a:r>
-          </a:p>
-          <a:p>
-            <a:pPr lvl="2"/>
-            <a:r>
-              <a:rPr lang="en-CA" sz="2000" dirty="0">
-                <a:solidFill>
-                  <a:schemeClr val="bg1"/>
-                </a:solidFill>
-              </a:rPr>
-              <a:t>What is the relationship between time on site and revenue?</a:t>
-            </a:r>
-          </a:p>
-          <a:p>
-            <a:pPr lvl="2"/>
-            <a:r>
-              <a:rPr lang="en-CA" sz="2000" dirty="0">
-                <a:solidFill>
-                  <a:schemeClr val="bg1"/>
-                </a:solidFill>
-              </a:rPr>
-              <a:t>Is there a relationship between stock levels and order quantity? How about lead times?</a:t>
-            </a:r>
           </a:p>
         </p:txBody>
       </p:sp>
     </p:spTree>
     <p:extLst>
       <p:ext uri="{BB962C8B-B14F-4D97-AF65-F5344CB8AC3E}">
-        <p14:creationId xmlns:p14="http://schemas.microsoft.com/office/powerpoint/2010/main" val="999185597"/>
+        <p14:creationId xmlns:p14="http://schemas.microsoft.com/office/powerpoint/2010/main" val="666838278"/>
       </p:ext>
     </p:extLst>
   </p:cSld>
@@ -21188,7 +21314,7 @@
         </p:nvSpPr>
         <p:spPr>
           <a:xfrm>
-            <a:off x="5488955" y="2225615"/>
+            <a:off x="5438741" y="1570007"/>
             <a:ext cx="5811652" cy="2976113"/>
           </a:xfrm>
         </p:spPr>
@@ -21247,6 +21373,36 @@
           </a:graphicData>
         </a:graphic>
       </p:graphicFrame>
+      <p:pic>
+        <p:nvPicPr>
+          <p:cNvPr id="7" name="Picture 6">
+            <a:extLst>
+              <a:ext uri="{FF2B5EF4-FFF2-40B4-BE49-F238E27FC236}">
+                <a16:creationId xmlns:a16="http://schemas.microsoft.com/office/drawing/2014/main" id="{03DCC174-16B7-8BA3-1215-ED50A08BEA5F}"/>
+              </a:ext>
+            </a:extLst>
+          </p:cNvPr>
+          <p:cNvPicPr>
+            <a:picLocks noChangeAspect="1"/>
+          </p:cNvPicPr>
+          <p:nvPr/>
+        </p:nvPicPr>
+        <p:blipFill>
+          <a:blip r:embed="rId3"/>
+          <a:stretch>
+            <a:fillRect/>
+          </a:stretch>
+        </p:blipFill>
+        <p:spPr>
+          <a:xfrm>
+            <a:off x="5948560" y="4538431"/>
+            <a:ext cx="4686954" cy="1381318"/>
+          </a:xfrm>
+          <a:prstGeom prst="rect">
+            <a:avLst/>
+          </a:prstGeom>
+        </p:spPr>
+      </p:pic>
     </p:spTree>
     <p:extLst>
       <p:ext uri="{BB962C8B-B14F-4D97-AF65-F5344CB8AC3E}">
